--- a/Final Analysis and presentation powerpoint.pptx
+++ b/Final Analysis and presentation powerpoint.pptx
@@ -1,6 +1,6 @@
 
 <file path=ppt/presentation.xml><?xml version="1.0" encoding="utf-8"?>
-<p:presentation xmlns:a="http://schemas.openxmlformats.org/drawingml/2006/main" xmlns:r="http://schemas.openxmlformats.org/officeDocument/2006/relationships" xmlns:p="http://schemas.openxmlformats.org/presentationml/2006/main" saveSubsetFonts="1">
+<p:presentation xmlns:a="http://schemas.openxmlformats.org/drawingml/2006/main" xmlns:r="http://schemas.openxmlformats.org/officeDocument/2006/relationships" xmlns:p="http://schemas.openxmlformats.org/presentationml/2006/main" removePersonalInfoOnSave="1" saveSubsetFonts="1">
   <p:sldMasterIdLst>
     <p:sldMasterId id="2147483735" r:id="rId1"/>
   </p:sldMasterIdLst>
@@ -131,256 +131,9 @@
 <file path=ppt/revisionInfo.xml><?xml version="1.0" encoding="utf-8"?>
 <p1510:revInfo xmlns:a="http://schemas.openxmlformats.org/drawingml/2006/main" xmlns:r="http://schemas.openxmlformats.org/officeDocument/2006/relationships" xmlns:p1510="http://schemas.microsoft.com/office/powerpoint/2015/10/main">
   <p1510:revLst>
-    <p1510:client id="{E2CE3710-E97A-4CFF-9997-C10F13A60597}" v="2" dt="2025-04-06T20:25:01.284"/>
+    <p1510:client id="{E2CE3710-E97A-4CFF-9997-C10F13A60597}" v="4" dt="2025-04-06T23:06:20.748"/>
   </p1510:revLst>
 </p1510:revInfo>
-</file>
-
-<file path=ppt/changesInfos/changesInfo1.xml><?xml version="1.0" encoding="utf-8"?>
-<pc:chgInfo xmlns:a="http://schemas.openxmlformats.org/drawingml/2006/main" xmlns:r="http://schemas.openxmlformats.org/officeDocument/2006/relationships" xmlns:ac="http://schemas.microsoft.com/office/drawing/2013/main/command" xmlns:pc="http://schemas.microsoft.com/office/powerpoint/2013/main/command">
-  <pc:docChgLst>
-    <pc:chgData name="Augusto Umaña" userId="d9ff3747-228d-45a3-8ac1-bfe4ca292b3a" providerId="ADAL" clId="{E2CE3710-E97A-4CFF-9997-C10F13A60597}"/>
-    <pc:docChg chg="custSel modSld">
-      <pc:chgData name="Augusto Umaña" userId="d9ff3747-228d-45a3-8ac1-bfe4ca292b3a" providerId="ADAL" clId="{E2CE3710-E97A-4CFF-9997-C10F13A60597}" dt="2025-04-06T20:25:01.283" v="16" actId="404"/>
-      <pc:docMkLst>
-        <pc:docMk/>
-      </pc:docMkLst>
-      <pc:sldChg chg="modSp mod">
-        <pc:chgData name="Augusto Umaña" userId="d9ff3747-228d-45a3-8ac1-bfe4ca292b3a" providerId="ADAL" clId="{E2CE3710-E97A-4CFF-9997-C10F13A60597}" dt="2025-04-06T20:25:01.068" v="15" actId="27636"/>
-        <pc:sldMkLst>
-          <pc:docMk/>
-          <pc:sldMk cId="0" sldId="256"/>
-        </pc:sldMkLst>
-        <pc:spChg chg="mod">
-          <ac:chgData name="Augusto Umaña" userId="d9ff3747-228d-45a3-8ac1-bfe4ca292b3a" providerId="ADAL" clId="{E2CE3710-E97A-4CFF-9997-C10F13A60597}" dt="2025-04-06T20:25:01.068" v="15" actId="27636"/>
-          <ac:spMkLst>
-            <pc:docMk/>
-            <pc:sldMk cId="0" sldId="256"/>
-            <ac:spMk id="2" creationId="{14350869-1DC6-CB62-16C2-9705A65D9663}"/>
-          </ac:spMkLst>
-        </pc:spChg>
-        <pc:spChg chg="mod">
-          <ac:chgData name="Augusto Umaña" userId="d9ff3747-228d-45a3-8ac1-bfe4ca292b3a" providerId="ADAL" clId="{E2CE3710-E97A-4CFF-9997-C10F13A60597}" dt="2025-04-06T20:25:01.067" v="14" actId="27636"/>
-          <ac:spMkLst>
-            <pc:docMk/>
-            <pc:sldMk cId="0" sldId="256"/>
-            <ac:spMk id="3" creationId="{4F0C0BC6-86CD-A99F-FDF6-64D859A077EA}"/>
-          </ac:spMkLst>
-        </pc:spChg>
-      </pc:sldChg>
-      <pc:sldChg chg="modSp">
-        <pc:chgData name="Augusto Umaña" userId="d9ff3747-228d-45a3-8ac1-bfe4ca292b3a" providerId="ADAL" clId="{E2CE3710-E97A-4CFF-9997-C10F13A60597}" dt="2025-04-06T20:25:01.283" v="16" actId="404"/>
-        <pc:sldMkLst>
-          <pc:docMk/>
-          <pc:sldMk cId="0" sldId="257"/>
-        </pc:sldMkLst>
-        <pc:spChg chg="mod">
-          <ac:chgData name="Augusto Umaña" userId="d9ff3747-228d-45a3-8ac1-bfe4ca292b3a" providerId="ADAL" clId="{E2CE3710-E97A-4CFF-9997-C10F13A60597}" dt="2025-04-06T20:25:01.283" v="16" actId="404"/>
-          <ac:spMkLst>
-            <pc:docMk/>
-            <pc:sldMk cId="0" sldId="257"/>
-            <ac:spMk id="4" creationId="{C46B9E2F-D8F3-1543-F8D5-FB987361D42F}"/>
-          </ac:spMkLst>
-        </pc:spChg>
-      </pc:sldChg>
-      <pc:sldChg chg="modSp mod">
-        <pc:chgData name="Augusto Umaña" userId="d9ff3747-228d-45a3-8ac1-bfe4ca292b3a" providerId="ADAL" clId="{E2CE3710-E97A-4CFF-9997-C10F13A60597}" dt="2025-04-06T20:25:00.576" v="1" actId="27636"/>
-        <pc:sldMkLst>
-          <pc:docMk/>
-          <pc:sldMk cId="0" sldId="258"/>
-        </pc:sldMkLst>
-        <pc:spChg chg="mod">
-          <ac:chgData name="Augusto Umaña" userId="d9ff3747-228d-45a3-8ac1-bfe4ca292b3a" providerId="ADAL" clId="{E2CE3710-E97A-4CFF-9997-C10F13A60597}" dt="2025-04-06T20:25:00.576" v="1" actId="27636"/>
-          <ac:spMkLst>
-            <pc:docMk/>
-            <pc:sldMk cId="0" sldId="258"/>
-            <ac:spMk id="3" creationId="{C9A130BE-CC21-5AF3-9E2E-A0523A324BD8}"/>
-          </ac:spMkLst>
-        </pc:spChg>
-      </pc:sldChg>
-      <pc:sldChg chg="modSp mod">
-        <pc:chgData name="Augusto Umaña" userId="d9ff3747-228d-45a3-8ac1-bfe4ca292b3a" providerId="ADAL" clId="{E2CE3710-E97A-4CFF-9997-C10F13A60597}" dt="2025-04-06T20:25:00.589" v="2" actId="27636"/>
-        <pc:sldMkLst>
-          <pc:docMk/>
-          <pc:sldMk cId="0" sldId="260"/>
-        </pc:sldMkLst>
-        <pc:spChg chg="mod">
-          <ac:chgData name="Augusto Umaña" userId="d9ff3747-228d-45a3-8ac1-bfe4ca292b3a" providerId="ADAL" clId="{E2CE3710-E97A-4CFF-9997-C10F13A60597}" dt="2025-04-06T20:25:00.589" v="2" actId="27636"/>
-          <ac:spMkLst>
-            <pc:docMk/>
-            <pc:sldMk cId="0" sldId="260"/>
-            <ac:spMk id="4" creationId="{C46B9E2F-D8F3-1543-F8D5-FB987361D42F}"/>
-          </ac:spMkLst>
-        </pc:spChg>
-      </pc:sldChg>
-      <pc:sldChg chg="modSp mod">
-        <pc:chgData name="Augusto Umaña" userId="d9ff3747-228d-45a3-8ac1-bfe4ca292b3a" providerId="ADAL" clId="{E2CE3710-E97A-4CFF-9997-C10F13A60597}" dt="2025-04-06T20:25:00.602" v="3" actId="27636"/>
-        <pc:sldMkLst>
-          <pc:docMk/>
-          <pc:sldMk cId="0" sldId="261"/>
-        </pc:sldMkLst>
-        <pc:spChg chg="mod">
-          <ac:chgData name="Augusto Umaña" userId="d9ff3747-228d-45a3-8ac1-bfe4ca292b3a" providerId="ADAL" clId="{E2CE3710-E97A-4CFF-9997-C10F13A60597}" dt="2025-04-06T20:25:00.602" v="3" actId="27636"/>
-          <ac:spMkLst>
-            <pc:docMk/>
-            <pc:sldMk cId="0" sldId="261"/>
-            <ac:spMk id="4" creationId="{C46B9E2F-D8F3-1543-F8D5-FB987361D42F}"/>
-          </ac:spMkLst>
-        </pc:spChg>
-      </pc:sldChg>
-      <pc:sldChg chg="modSp mod">
-        <pc:chgData name="Augusto Umaña" userId="d9ff3747-228d-45a3-8ac1-bfe4ca292b3a" providerId="ADAL" clId="{E2CE3710-E97A-4CFF-9997-C10F13A60597}" dt="2025-04-06T20:25:00.666" v="4" actId="27636"/>
-        <pc:sldMkLst>
-          <pc:docMk/>
-          <pc:sldMk cId="0" sldId="262"/>
-        </pc:sldMkLst>
-        <pc:spChg chg="mod">
-          <ac:chgData name="Augusto Umaña" userId="d9ff3747-228d-45a3-8ac1-bfe4ca292b3a" providerId="ADAL" clId="{E2CE3710-E97A-4CFF-9997-C10F13A60597}" dt="2025-04-06T20:25:00.666" v="4" actId="27636"/>
-          <ac:spMkLst>
-            <pc:docMk/>
-            <pc:sldMk cId="0" sldId="262"/>
-            <ac:spMk id="4" creationId="{C46B9E2F-D8F3-1543-F8D5-FB987361D42F}"/>
-          </ac:spMkLst>
-        </pc:spChg>
-      </pc:sldChg>
-      <pc:sldChg chg="modSp mod">
-        <pc:chgData name="Augusto Umaña" userId="d9ff3747-228d-45a3-8ac1-bfe4ca292b3a" providerId="ADAL" clId="{E2CE3710-E97A-4CFF-9997-C10F13A60597}" dt="2025-04-06T20:25:00.685" v="5" actId="27636"/>
-        <pc:sldMkLst>
-          <pc:docMk/>
-          <pc:sldMk cId="0" sldId="263"/>
-        </pc:sldMkLst>
-        <pc:spChg chg="mod">
-          <ac:chgData name="Augusto Umaña" userId="d9ff3747-228d-45a3-8ac1-bfe4ca292b3a" providerId="ADAL" clId="{E2CE3710-E97A-4CFF-9997-C10F13A60597}" dt="2025-04-06T20:25:00.685" v="5" actId="27636"/>
-          <ac:spMkLst>
-            <pc:docMk/>
-            <pc:sldMk cId="0" sldId="263"/>
-            <ac:spMk id="4" creationId="{C46B9E2F-D8F3-1543-F8D5-FB987361D42F}"/>
-          </ac:spMkLst>
-        </pc:spChg>
-      </pc:sldChg>
-      <pc:sldChg chg="modSp mod">
-        <pc:chgData name="Augusto Umaña" userId="d9ff3747-228d-45a3-8ac1-bfe4ca292b3a" providerId="ADAL" clId="{E2CE3710-E97A-4CFF-9997-C10F13A60597}" dt="2025-04-06T20:25:00.701" v="6" actId="27636"/>
-        <pc:sldMkLst>
-          <pc:docMk/>
-          <pc:sldMk cId="0" sldId="264"/>
-        </pc:sldMkLst>
-        <pc:spChg chg="mod">
-          <ac:chgData name="Augusto Umaña" userId="d9ff3747-228d-45a3-8ac1-bfe4ca292b3a" providerId="ADAL" clId="{E2CE3710-E97A-4CFF-9997-C10F13A60597}" dt="2025-04-06T20:25:00.701" v="6" actId="27636"/>
-          <ac:spMkLst>
-            <pc:docMk/>
-            <pc:sldMk cId="0" sldId="264"/>
-            <ac:spMk id="4" creationId="{C46B9E2F-D8F3-1543-F8D5-FB987361D42F}"/>
-          </ac:spMkLst>
-        </pc:spChg>
-      </pc:sldChg>
-      <pc:sldChg chg="modSp mod">
-        <pc:chgData name="Augusto Umaña" userId="d9ff3747-228d-45a3-8ac1-bfe4ca292b3a" providerId="ADAL" clId="{E2CE3710-E97A-4CFF-9997-C10F13A60597}" dt="2025-04-06T20:25:00.715" v="7" actId="27636"/>
-        <pc:sldMkLst>
-          <pc:docMk/>
-          <pc:sldMk cId="0" sldId="265"/>
-        </pc:sldMkLst>
-        <pc:spChg chg="mod">
-          <ac:chgData name="Augusto Umaña" userId="d9ff3747-228d-45a3-8ac1-bfe4ca292b3a" providerId="ADAL" clId="{E2CE3710-E97A-4CFF-9997-C10F13A60597}" dt="2025-04-06T20:25:00.715" v="7" actId="27636"/>
-          <ac:spMkLst>
-            <pc:docMk/>
-            <pc:sldMk cId="0" sldId="265"/>
-            <ac:spMk id="4" creationId="{C46B9E2F-D8F3-1543-F8D5-FB987361D42F}"/>
-          </ac:spMkLst>
-        </pc:spChg>
-      </pc:sldChg>
-      <pc:sldChg chg="modSp mod">
-        <pc:chgData name="Augusto Umaña" userId="d9ff3747-228d-45a3-8ac1-bfe4ca292b3a" providerId="ADAL" clId="{E2CE3710-E97A-4CFF-9997-C10F13A60597}" dt="2025-04-06T20:25:00.956" v="8" actId="27636"/>
-        <pc:sldMkLst>
-          <pc:docMk/>
-          <pc:sldMk cId="0" sldId="266"/>
-        </pc:sldMkLst>
-        <pc:spChg chg="mod">
-          <ac:chgData name="Augusto Umaña" userId="d9ff3747-228d-45a3-8ac1-bfe4ca292b3a" providerId="ADAL" clId="{E2CE3710-E97A-4CFF-9997-C10F13A60597}" dt="2025-04-06T20:25:00.956" v="8" actId="27636"/>
-          <ac:spMkLst>
-            <pc:docMk/>
-            <pc:sldMk cId="0" sldId="266"/>
-            <ac:spMk id="4" creationId="{C46B9E2F-D8F3-1543-F8D5-FB987361D42F}"/>
-          </ac:spMkLst>
-        </pc:spChg>
-      </pc:sldChg>
-      <pc:sldChg chg="modSp mod">
-        <pc:chgData name="Augusto Umaña" userId="d9ff3747-228d-45a3-8ac1-bfe4ca292b3a" providerId="ADAL" clId="{E2CE3710-E97A-4CFF-9997-C10F13A60597}" dt="2025-04-06T20:25:00.997" v="9" actId="27636"/>
-        <pc:sldMkLst>
-          <pc:docMk/>
-          <pc:sldMk cId="0" sldId="268"/>
-        </pc:sldMkLst>
-        <pc:spChg chg="mod">
-          <ac:chgData name="Augusto Umaña" userId="d9ff3747-228d-45a3-8ac1-bfe4ca292b3a" providerId="ADAL" clId="{E2CE3710-E97A-4CFF-9997-C10F13A60597}" dt="2025-04-06T20:25:00.997" v="9" actId="27636"/>
-          <ac:spMkLst>
-            <pc:docMk/>
-            <pc:sldMk cId="0" sldId="268"/>
-            <ac:spMk id="4" creationId="{C46B9E2F-D8F3-1543-F8D5-FB987361D42F}"/>
-          </ac:spMkLst>
-        </pc:spChg>
-      </pc:sldChg>
-      <pc:sldChg chg="modSp mod">
-        <pc:chgData name="Augusto Umaña" userId="d9ff3747-228d-45a3-8ac1-bfe4ca292b3a" providerId="ADAL" clId="{E2CE3710-E97A-4CFF-9997-C10F13A60597}" dt="2025-04-06T20:25:01.013" v="10" actId="27636"/>
-        <pc:sldMkLst>
-          <pc:docMk/>
-          <pc:sldMk cId="0" sldId="269"/>
-        </pc:sldMkLst>
-        <pc:spChg chg="mod">
-          <ac:chgData name="Augusto Umaña" userId="d9ff3747-228d-45a3-8ac1-bfe4ca292b3a" providerId="ADAL" clId="{E2CE3710-E97A-4CFF-9997-C10F13A60597}" dt="2025-04-06T20:25:01.013" v="10" actId="27636"/>
-          <ac:spMkLst>
-            <pc:docMk/>
-            <pc:sldMk cId="0" sldId="269"/>
-            <ac:spMk id="4" creationId="{C46B9E2F-D8F3-1543-F8D5-FB987361D42F}"/>
-          </ac:spMkLst>
-        </pc:spChg>
-      </pc:sldChg>
-      <pc:sldChg chg="modSp mod">
-        <pc:chgData name="Augusto Umaña" userId="d9ff3747-228d-45a3-8ac1-bfe4ca292b3a" providerId="ADAL" clId="{E2CE3710-E97A-4CFF-9997-C10F13A60597}" dt="2025-04-06T20:25:01.025" v="11" actId="27636"/>
-        <pc:sldMkLst>
-          <pc:docMk/>
-          <pc:sldMk cId="0" sldId="270"/>
-        </pc:sldMkLst>
-        <pc:spChg chg="mod">
-          <ac:chgData name="Augusto Umaña" userId="d9ff3747-228d-45a3-8ac1-bfe4ca292b3a" providerId="ADAL" clId="{E2CE3710-E97A-4CFF-9997-C10F13A60597}" dt="2025-04-06T20:25:01.025" v="11" actId="27636"/>
-          <ac:spMkLst>
-            <pc:docMk/>
-            <pc:sldMk cId="0" sldId="270"/>
-            <ac:spMk id="4" creationId="{C46B9E2F-D8F3-1543-F8D5-FB987361D42F}"/>
-          </ac:spMkLst>
-        </pc:spChg>
-      </pc:sldChg>
-      <pc:sldChg chg="modSp mod">
-        <pc:chgData name="Augusto Umaña" userId="d9ff3747-228d-45a3-8ac1-bfe4ca292b3a" providerId="ADAL" clId="{E2CE3710-E97A-4CFF-9997-C10F13A60597}" dt="2025-04-06T20:25:01.040" v="12" actId="27636"/>
-        <pc:sldMkLst>
-          <pc:docMk/>
-          <pc:sldMk cId="0" sldId="271"/>
-        </pc:sldMkLst>
-        <pc:spChg chg="mod">
-          <ac:chgData name="Augusto Umaña" userId="d9ff3747-228d-45a3-8ac1-bfe4ca292b3a" providerId="ADAL" clId="{E2CE3710-E97A-4CFF-9997-C10F13A60597}" dt="2025-04-06T20:25:01.040" v="12" actId="27636"/>
-          <ac:spMkLst>
-            <pc:docMk/>
-            <pc:sldMk cId="0" sldId="271"/>
-            <ac:spMk id="4" creationId="{C46B9E2F-D8F3-1543-F8D5-FB987361D42F}"/>
-          </ac:spMkLst>
-        </pc:spChg>
-      </pc:sldChg>
-      <pc:sldChg chg="modSp mod">
-        <pc:chgData name="Augusto Umaña" userId="d9ff3747-228d-45a3-8ac1-bfe4ca292b3a" providerId="ADAL" clId="{E2CE3710-E97A-4CFF-9997-C10F13A60597}" dt="2025-04-06T20:25:01.057" v="13" actId="27636"/>
-        <pc:sldMkLst>
-          <pc:docMk/>
-          <pc:sldMk cId="0" sldId="272"/>
-        </pc:sldMkLst>
-        <pc:spChg chg="mod">
-          <ac:chgData name="Augusto Umaña" userId="d9ff3747-228d-45a3-8ac1-bfe4ca292b3a" providerId="ADAL" clId="{E2CE3710-E97A-4CFF-9997-C10F13A60597}" dt="2025-04-06T20:25:01.057" v="13" actId="27636"/>
-          <ac:spMkLst>
-            <pc:docMk/>
-            <pc:sldMk cId="0" sldId="272"/>
-            <ac:spMk id="3" creationId="{C9A130BE-CC21-5AF3-9E2E-A0523A324BD8}"/>
-          </ac:spMkLst>
-        </pc:spChg>
-      </pc:sldChg>
-    </pc:docChg>
-  </pc:docChgLst>
-</pc:chgInfo>
 </file>
 
 <file path=ppt/slideLayouts/slideLayout1.xml><?xml version="1.0" encoding="utf-8"?>
@@ -3128,8 +2881,8 @@
           </a:p>
         </p:txBody>
       </p:sp>
-      <mc:AlternateContent xmlns:mc="http://schemas.openxmlformats.org/markup-compatibility/2006">
-        <mc:Choice xmlns:a14="http://schemas.microsoft.com/office/drawing/2010/main" Requires="a14">
+      <mc:AlternateContent xmlns:mc="http://schemas.openxmlformats.org/markup-compatibility/2006" xmlns:a14="http://schemas.microsoft.com/office/drawing/2010/main">
+        <mc:Choice Requires="a14">
           <p:sp>
             <p:nvSpPr>
               <p:cNvPr id="4" name="Marcador de texto 3">
@@ -3733,7 +3486,7 @@
                     <m:sSub>
                       <m:sSubPr>
                         <m:ctrlPr>
-                          <a:rPr>
+                          <a:rPr i="1">
                             <a:latin typeface="Cambria Math" panose="02040503050406030204" pitchFamily="18" charset="0"/>
                           </a:rPr>
                         </m:ctrlPr>
@@ -3888,7 +3641,7 @@
             </p:txBody>
           </p:sp>
         </mc:Choice>
-        <mc:Fallback>
+        <mc:Fallback xmlns="">
           <p:sp>
             <p:nvSpPr>
               <p:cNvPr id="4" name="Marcador de texto 3">
@@ -4561,7 +4314,7 @@
                     <a:bodyPr/>
                     <a:lstStyle/>
                     <a:p>
-                      <a:endParaRPr/>
+                      <a:endParaRPr dirty="0"/>
                     </a:p>
                   </a:txBody>
                   <a:tcPr/>
@@ -6804,8 +6557,8 @@
           </a:p>
         </p:txBody>
       </p:sp>
-      <mc:AlternateContent xmlns:mc="http://schemas.openxmlformats.org/markup-compatibility/2006">
-        <mc:Choice xmlns:a14="http://schemas.microsoft.com/office/drawing/2010/main" Requires="a14">
+      <mc:AlternateContent xmlns:mc="http://schemas.openxmlformats.org/markup-compatibility/2006" xmlns:a14="http://schemas.microsoft.com/office/drawing/2010/main">
+        <mc:Choice Requires="a14">
           <p:sp>
             <p:nvSpPr>
               <p:cNvPr id="4" name="Marcador de texto 3">
@@ -7088,7 +6841,7 @@
             </p:txBody>
           </p:sp>
         </mc:Choice>
-        <mc:Fallback>
+        <mc:Fallback xmlns="">
           <p:sp>
             <p:nvSpPr>
               <p:cNvPr id="4" name="Marcador de texto 3">
